--- a/Página Web.pptx
+++ b/Página Web.pptx
@@ -11,6 +11,7 @@
     <p:sldId id="259" r:id="rId8"/>
     <p:sldId id="258" r:id="rId9"/>
     <p:sldId id="261" r:id="rId10"/>
+    <p:sldId id="262" r:id="rId11"/>
   </p:sldIdLst>
   <p:sldSz cx="12192000" cy="6858000"/>
   <p:notesSz cx="6858000" cy="9144000"/>
@@ -121,6 +122,7 @@
 <p1510:revInfo xmlns:a="http://schemas.openxmlformats.org/drawingml/2006/main" xmlns:r="http://schemas.openxmlformats.org/officeDocument/2006/relationships" xmlns:p1510="http://schemas.microsoft.com/office/powerpoint/2015/10/main">
   <p1510:revLst>
     <p1510:client id="{A2D67B07-63CE-46A6-9D33-87DE818F329F}" v="37" dt="2020-12-11T12:57:04.442"/>
+    <p1510:client id="{BC9465B5-30C6-4B25-ADC5-DC9FB5CA98FC}" v="6" dt="2020-12-11T20:50:32.969"/>
   </p1510:revLst>
 </p1510:revInfo>
 </file>
@@ -129,8 +131,8 @@
 <pc:chgInfo xmlns:a="http://schemas.openxmlformats.org/drawingml/2006/main" xmlns:r="http://schemas.openxmlformats.org/officeDocument/2006/relationships" xmlns:ac="http://schemas.microsoft.com/office/drawing/2013/main/command" xmlns:pc="http://schemas.microsoft.com/office/powerpoint/2013/main/command">
   <pc:docChgLst>
     <pc:chgData name="Alba Carvajal Hermosilla" userId="646c1b3d-a40e-4b18-9a97-20b35e8df059" providerId="ADAL" clId="{BC9465B5-30C6-4B25-ADC5-DC9FB5CA98FC}"/>
-    <pc:docChg chg="modSld">
-      <pc:chgData name="Alba Carvajal Hermosilla" userId="646c1b3d-a40e-4b18-9a97-20b35e8df059" providerId="ADAL" clId="{BC9465B5-30C6-4B25-ADC5-DC9FB5CA98FC}" dt="2020-12-11T16:02:11.990" v="1" actId="20577"/>
+    <pc:docChg chg="custSel addSld delSld modSld">
+      <pc:chgData name="Alba Carvajal Hermosilla" userId="646c1b3d-a40e-4b18-9a97-20b35e8df059" providerId="ADAL" clId="{BC9465B5-30C6-4B25-ADC5-DC9FB5CA98FC}" dt="2020-12-11T20:51:00.861" v="154" actId="20577"/>
       <pc:docMkLst>
         <pc:docMk/>
       </pc:docMkLst>
@@ -148,6 +150,137 @@
             <ac:spMk id="6" creationId="{712A273A-4C6A-43A0-BAD0-9D04DC8DED06}"/>
           </ac:spMkLst>
         </pc:spChg>
+      </pc:sldChg>
+      <pc:sldChg chg="modSp">
+        <pc:chgData name="Alba Carvajal Hermosilla" userId="646c1b3d-a40e-4b18-9a97-20b35e8df059" providerId="ADAL" clId="{BC9465B5-30C6-4B25-ADC5-DC9FB5CA98FC}" dt="2020-12-11T20:51:00.861" v="154" actId="20577"/>
+        <pc:sldMkLst>
+          <pc:docMk/>
+          <pc:sldMk cId="1348785305" sldId="258"/>
+        </pc:sldMkLst>
+        <pc:spChg chg="mod">
+          <ac:chgData name="Alba Carvajal Hermosilla" userId="646c1b3d-a40e-4b18-9a97-20b35e8df059" providerId="ADAL" clId="{BC9465B5-30C6-4B25-ADC5-DC9FB5CA98FC}" dt="2020-12-11T20:51:00.861" v="154" actId="20577"/>
+          <ac:spMkLst>
+            <pc:docMk/>
+            <pc:sldMk cId="1348785305" sldId="258"/>
+            <ac:spMk id="13" creationId="{21FCA8A5-7783-4001-B70F-0A5286E2BE26}"/>
+          </ac:spMkLst>
+        </pc:spChg>
+      </pc:sldChg>
+      <pc:sldChg chg="modSp">
+        <pc:chgData name="Alba Carvajal Hermosilla" userId="646c1b3d-a40e-4b18-9a97-20b35e8df059" providerId="ADAL" clId="{BC9465B5-30C6-4B25-ADC5-DC9FB5CA98FC}" dt="2020-12-11T20:50:55.107" v="153" actId="20577"/>
+        <pc:sldMkLst>
+          <pc:docMk/>
+          <pc:sldMk cId="3381415198" sldId="259"/>
+        </pc:sldMkLst>
+        <pc:spChg chg="mod">
+          <ac:chgData name="Alba Carvajal Hermosilla" userId="646c1b3d-a40e-4b18-9a97-20b35e8df059" providerId="ADAL" clId="{BC9465B5-30C6-4B25-ADC5-DC9FB5CA98FC}" dt="2020-12-11T20:50:55.107" v="153" actId="20577"/>
+          <ac:spMkLst>
+            <pc:docMk/>
+            <pc:sldMk cId="3381415198" sldId="259"/>
+            <ac:spMk id="6" creationId="{F1ABB0C4-ED7D-41F9-B19A-8AE4DB5D145F}"/>
+          </ac:spMkLst>
+        </pc:spChg>
+      </pc:sldChg>
+      <pc:sldChg chg="addSp delSp modSp">
+        <pc:chgData name="Alba Carvajal Hermosilla" userId="646c1b3d-a40e-4b18-9a97-20b35e8df059" providerId="ADAL" clId="{BC9465B5-30C6-4B25-ADC5-DC9FB5CA98FC}" dt="2020-12-11T20:41:16.014" v="112" actId="1076"/>
+        <pc:sldMkLst>
+          <pc:docMk/>
+          <pc:sldMk cId="1596420661" sldId="261"/>
+        </pc:sldMkLst>
+        <pc:spChg chg="mod">
+          <ac:chgData name="Alba Carvajal Hermosilla" userId="646c1b3d-a40e-4b18-9a97-20b35e8df059" providerId="ADAL" clId="{BC9465B5-30C6-4B25-ADC5-DC9FB5CA98FC}" dt="2020-12-11T20:39:50.558" v="58" actId="1076"/>
+          <ac:spMkLst>
+            <pc:docMk/>
+            <pc:sldMk cId="1596420661" sldId="261"/>
+            <ac:spMk id="13" creationId="{21FCA8A5-7783-4001-B70F-0A5286E2BE26}"/>
+          </ac:spMkLst>
+        </pc:spChg>
+        <pc:spChg chg="del">
+          <ac:chgData name="Alba Carvajal Hermosilla" userId="646c1b3d-a40e-4b18-9a97-20b35e8df059" providerId="ADAL" clId="{BC9465B5-30C6-4B25-ADC5-DC9FB5CA98FC}" dt="2020-12-11T20:39:38.509" v="56" actId="478"/>
+          <ac:spMkLst>
+            <pc:docMk/>
+            <pc:sldMk cId="1596420661" sldId="261"/>
+            <ac:spMk id="14" creationId="{D5DD9E7A-8165-4F49-AA72-0B9A934059E8}"/>
+          </ac:spMkLst>
+        </pc:spChg>
+        <pc:spChg chg="del">
+          <ac:chgData name="Alba Carvajal Hermosilla" userId="646c1b3d-a40e-4b18-9a97-20b35e8df059" providerId="ADAL" clId="{BC9465B5-30C6-4B25-ADC5-DC9FB5CA98FC}" dt="2020-12-11T20:39:26.845" v="5" actId="478"/>
+          <ac:spMkLst>
+            <pc:docMk/>
+            <pc:sldMk cId="1596420661" sldId="261"/>
+            <ac:spMk id="15" creationId="{F4CDC04E-907E-43E6-8017-6C57A6B3C9F5}"/>
+          </ac:spMkLst>
+        </pc:spChg>
+        <pc:spChg chg="mod">
+          <ac:chgData name="Alba Carvajal Hermosilla" userId="646c1b3d-a40e-4b18-9a97-20b35e8df059" providerId="ADAL" clId="{BC9465B5-30C6-4B25-ADC5-DC9FB5CA98FC}" dt="2020-12-11T20:40:51.433" v="106" actId="1076"/>
+          <ac:spMkLst>
+            <pc:docMk/>
+            <pc:sldMk cId="1596420661" sldId="261"/>
+            <ac:spMk id="16" creationId="{B748F63D-3A35-44DB-B580-1693A0F120BA}"/>
+          </ac:spMkLst>
+        </pc:spChg>
+        <pc:picChg chg="add mod">
+          <ac:chgData name="Alba Carvajal Hermosilla" userId="646c1b3d-a40e-4b18-9a97-20b35e8df059" providerId="ADAL" clId="{BC9465B5-30C6-4B25-ADC5-DC9FB5CA98FC}" dt="2020-12-11T20:41:16.014" v="112" actId="1076"/>
+          <ac:picMkLst>
+            <pc:docMk/>
+            <pc:sldMk cId="1596420661" sldId="261"/>
+            <ac:picMk id="3" creationId="{51F3AB47-65DD-4F60-91C5-001B8FEC7416}"/>
+          </ac:picMkLst>
+        </pc:picChg>
+        <pc:picChg chg="del">
+          <ac:chgData name="Alba Carvajal Hermosilla" userId="646c1b3d-a40e-4b18-9a97-20b35e8df059" providerId="ADAL" clId="{BC9465B5-30C6-4B25-ADC5-DC9FB5CA98FC}" dt="2020-12-11T20:39:24.249" v="4" actId="478"/>
+          <ac:picMkLst>
+            <pc:docMk/>
+            <pc:sldMk cId="1596420661" sldId="261"/>
+            <ac:picMk id="12" creationId="{7221149B-80C1-4271-93A5-F78FED4545CF}"/>
+          </ac:picMkLst>
+        </pc:picChg>
+      </pc:sldChg>
+      <pc:sldChg chg="add del">
+        <pc:chgData name="Alba Carvajal Hermosilla" userId="646c1b3d-a40e-4b18-9a97-20b35e8df059" providerId="ADAL" clId="{BC9465B5-30C6-4B25-ADC5-DC9FB5CA98FC}" dt="2020-12-11T20:39:23.467" v="3" actId="2696"/>
+        <pc:sldMkLst>
+          <pc:docMk/>
+          <pc:sldMk cId="907251587" sldId="262"/>
+        </pc:sldMkLst>
+      </pc:sldChg>
+      <pc:sldChg chg="addSp delSp modSp add">
+        <pc:chgData name="Alba Carvajal Hermosilla" userId="646c1b3d-a40e-4b18-9a97-20b35e8df059" providerId="ADAL" clId="{BC9465B5-30C6-4B25-ADC5-DC9FB5CA98FC}" dt="2020-12-11T20:50:46.867" v="152" actId="1076"/>
+        <pc:sldMkLst>
+          <pc:docMk/>
+          <pc:sldMk cId="1634032322" sldId="262"/>
+        </pc:sldMkLst>
+        <pc:spChg chg="mod">
+          <ac:chgData name="Alba Carvajal Hermosilla" userId="646c1b3d-a40e-4b18-9a97-20b35e8df059" providerId="ADAL" clId="{BC9465B5-30C6-4B25-ADC5-DC9FB5CA98FC}" dt="2020-12-11T20:50:41.362" v="150" actId="14100"/>
+          <ac:spMkLst>
+            <pc:docMk/>
+            <pc:sldMk cId="1634032322" sldId="262"/>
+            <ac:spMk id="13" creationId="{21FCA8A5-7783-4001-B70F-0A5286E2BE26}"/>
+          </ac:spMkLst>
+        </pc:spChg>
+        <pc:spChg chg="mod">
+          <ac:chgData name="Alba Carvajal Hermosilla" userId="646c1b3d-a40e-4b18-9a97-20b35e8df059" providerId="ADAL" clId="{BC9465B5-30C6-4B25-ADC5-DC9FB5CA98FC}" dt="2020-12-11T20:50:36.178" v="147" actId="20577"/>
+          <ac:spMkLst>
+            <pc:docMk/>
+            <pc:sldMk cId="1634032322" sldId="262"/>
+            <ac:spMk id="16" creationId="{B748F63D-3A35-44DB-B580-1693A0F120BA}"/>
+          </ac:spMkLst>
+        </pc:spChg>
+        <pc:picChg chg="del">
+          <ac:chgData name="Alba Carvajal Hermosilla" userId="646c1b3d-a40e-4b18-9a97-20b35e8df059" providerId="ADAL" clId="{BC9465B5-30C6-4B25-ADC5-DC9FB5CA98FC}" dt="2020-12-11T20:48:34.586" v="114" actId="478"/>
+          <ac:picMkLst>
+            <pc:docMk/>
+            <pc:sldMk cId="1634032322" sldId="262"/>
+            <ac:picMk id="3" creationId="{51F3AB47-65DD-4F60-91C5-001B8FEC7416}"/>
+          </ac:picMkLst>
+        </pc:picChg>
+        <pc:picChg chg="add mod">
+          <ac:chgData name="Alba Carvajal Hermosilla" userId="646c1b3d-a40e-4b18-9a97-20b35e8df059" providerId="ADAL" clId="{BC9465B5-30C6-4B25-ADC5-DC9FB5CA98FC}" dt="2020-12-11T20:50:46.867" v="152" actId="1076"/>
+          <ac:picMkLst>
+            <pc:docMk/>
+            <pc:sldMk cId="1634032322" sldId="262"/>
+            <ac:picMk id="4" creationId="{FFC6C30A-5451-4B0E-9C64-560C278D0EBC}"/>
+          </ac:picMkLst>
+        </pc:picChg>
       </pc:sldChg>
     </pc:docChg>
   </pc:docChgLst>
@@ -6080,8 +6213,8 @@
         </p:nvSpPr>
         <p:spPr>
           <a:xfrm>
-            <a:off x="7651782" y="1134615"/>
-            <a:ext cx="2317686" cy="369332"/>
+            <a:off x="7696666" y="1134615"/>
+            <a:ext cx="2227918" cy="369332"/>
           </a:xfrm>
           <a:prstGeom prst="rect">
             <a:avLst/>
@@ -6100,7 +6233,7 @@
                   <a:schemeClr val="accent6"/>
                 </a:solidFill>
               </a:rPr>
-              <a:t>SELECT * FROM clases;</a:t>
+              <a:t>SELECT * FROM clase;</a:t>
             </a:r>
             <a:endParaRPr lang="en-US" dirty="0">
               <a:solidFill>
@@ -6602,7 +6735,7 @@
                   <a:schemeClr val="accent6"/>
                 </a:solidFill>
               </a:rPr>
-              <a:t>INSERT INTO clientes (nombre, apellido, teléfono, email, </a:t>
+              <a:t>INSERT INTO cliente (nombre, apellido, teléfono, email, </a:t>
             </a:r>
             <a:r>
               <a:rPr lang="es-ES" dirty="0" err="1">
@@ -6766,8 +6899,8 @@
         </p:nvSpPr>
         <p:spPr>
           <a:xfrm>
-            <a:off x="5607698" y="1370854"/>
-            <a:ext cx="4930980" cy="369332"/>
+            <a:off x="6195527" y="370155"/>
+            <a:ext cx="4930980" cy="1200329"/>
           </a:xfrm>
           <a:prstGeom prst="rect">
             <a:avLst/>
@@ -6786,7 +6919,7 @@
                   <a:schemeClr val="accent6"/>
                 </a:solidFill>
               </a:rPr>
-              <a:t>SELECT nombre, </a:t>
+              <a:t>SELECT * FROM cliente, </a:t>
             </a:r>
             <a:r>
               <a:rPr lang="es-ES" dirty="0" err="1">
@@ -6794,7 +6927,7 @@
                   <a:schemeClr val="accent6"/>
                 </a:solidFill>
               </a:rPr>
-              <a:t>dia_pago</a:t>
+              <a:t>suscripcion</a:t>
             </a:r>
             <a:r>
               <a:rPr lang="es-ES" dirty="0">
@@ -6802,7 +6935,103 @@
                   <a:schemeClr val="accent6"/>
                 </a:solidFill>
               </a:rPr>
-              <a:t> FROM clientes;</a:t>
+              <a:t> WHERE </a:t>
+            </a:r>
+            <a:r>
+              <a:rPr lang="es-ES" dirty="0" err="1">
+                <a:solidFill>
+                  <a:schemeClr val="accent6"/>
+                </a:solidFill>
+              </a:rPr>
+              <a:t>cliente.id_suscripcion</a:t>
+            </a:r>
+            <a:r>
+              <a:rPr lang="es-ES" dirty="0">
+                <a:solidFill>
+                  <a:schemeClr val="accent6"/>
+                </a:solidFill>
+              </a:rPr>
+              <a:t>=</a:t>
+            </a:r>
+            <a:r>
+              <a:rPr lang="es-ES" dirty="0" err="1">
+                <a:solidFill>
+                  <a:schemeClr val="accent6"/>
+                </a:solidFill>
+              </a:rPr>
+              <a:t>suscripcion.id_suscripcion</a:t>
+            </a:r>
+            <a:r>
+              <a:rPr lang="es-ES" dirty="0">
+                <a:solidFill>
+                  <a:schemeClr val="accent6"/>
+                </a:solidFill>
+              </a:rPr>
+              <a:t> and </a:t>
+            </a:r>
+            <a:r>
+              <a:rPr lang="es-ES" dirty="0" err="1">
+                <a:solidFill>
+                  <a:schemeClr val="accent6"/>
+                </a:solidFill>
+              </a:rPr>
+              <a:t>cliente.id_suscripcion</a:t>
+            </a:r>
+            <a:r>
+              <a:rPr lang="es-ES" dirty="0">
+                <a:solidFill>
+                  <a:schemeClr val="accent6"/>
+                </a:solidFill>
+              </a:rPr>
+              <a:t> = 20 </a:t>
+            </a:r>
+            <a:r>
+              <a:rPr lang="es-ES" dirty="0" err="1">
+                <a:solidFill>
+                  <a:schemeClr val="accent6"/>
+                </a:solidFill>
+              </a:rPr>
+              <a:t>order</a:t>
+            </a:r>
+            <a:r>
+              <a:rPr lang="es-ES" dirty="0">
+                <a:solidFill>
+                  <a:schemeClr val="accent6"/>
+                </a:solidFill>
+              </a:rPr>
+              <a:t> </a:t>
+            </a:r>
+            <a:r>
+              <a:rPr lang="es-ES" dirty="0" err="1">
+                <a:solidFill>
+                  <a:schemeClr val="accent6"/>
+                </a:solidFill>
+              </a:rPr>
+              <a:t>by</a:t>
+            </a:r>
+            <a:r>
+              <a:rPr lang="es-ES" dirty="0">
+                <a:solidFill>
+                  <a:schemeClr val="accent6"/>
+                </a:solidFill>
+              </a:rPr>
+              <a:t> </a:t>
+            </a:r>
+            <a:r>
+              <a:rPr lang="es-ES" dirty="0" err="1">
+                <a:solidFill>
+                  <a:schemeClr val="accent6"/>
+                </a:solidFill>
+              </a:rPr>
+              <a:t>cliente.nombre</a:t>
+            </a:r>
+            <a:r>
+              <a:rPr lang="es-ES" dirty="0">
+                <a:solidFill>
+                  <a:schemeClr val="accent6"/>
+                </a:solidFill>
+              </a:rPr>
+              <a:t>;</a:t>
             </a:r>
             <a:endParaRPr lang="en-US" dirty="0">
               <a:solidFill>
@@ -6814,56 +7043,20 @@
       </p:sp>
       <p:sp>
         <p:nvSpPr>
-          <p:cNvPr id="14" name="CuadroTexto 13">
-            <a:extLst>
-              <a:ext uri="{FF2B5EF4-FFF2-40B4-BE49-F238E27FC236}">
-                <a16:creationId xmlns:a16="http://schemas.microsoft.com/office/drawing/2014/main" id="{D5DD9E7A-8165-4F49-AA72-0B9A934059E8}"/>
-              </a:ext>
-            </a:extLst>
-          </p:cNvPr>
-          <p:cNvSpPr txBox="1"/>
+          <p:cNvPr id="16" name="Rectángulo 15">
+            <a:extLst>
+              <a:ext uri="{FF2B5EF4-FFF2-40B4-BE49-F238E27FC236}">
+                <a16:creationId xmlns:a16="http://schemas.microsoft.com/office/drawing/2014/main" id="{B748F63D-3A35-44DB-B580-1693A0F120BA}"/>
+              </a:ext>
+            </a:extLst>
+          </p:cNvPr>
+          <p:cNvSpPr/>
           <p:nvPr/>
         </p:nvSpPr>
         <p:spPr>
           <a:xfrm>
-            <a:off x="5354463" y="323989"/>
-            <a:ext cx="6411438" cy="646331"/>
-          </a:xfrm>
-          <a:prstGeom prst="rect">
-            <a:avLst/>
-          </a:prstGeom>
-          <a:noFill/>
-        </p:spPr>
-        <p:txBody>
-          <a:bodyPr wrap="square" rtlCol="0">
-            <a:spAutoFit/>
-          </a:bodyPr>
-          <a:lstStyle/>
-          <a:p>
-            <a:r>
-              <a:rPr lang="es-ES" dirty="0"/>
-              <a:t>Al iniciar sesión como administrador del gimnasio, consultar el día de pago de todos los clientes.</a:t>
-            </a:r>
-            <a:endParaRPr lang="en-US" dirty="0"/>
-          </a:p>
-        </p:txBody>
-      </p:sp>
-      <p:sp>
-        <p:nvSpPr>
-          <p:cNvPr id="15" name="Rectángulo 14">
-            <a:extLst>
-              <a:ext uri="{FF2B5EF4-FFF2-40B4-BE49-F238E27FC236}">
-                <a16:creationId xmlns:a16="http://schemas.microsoft.com/office/drawing/2014/main" id="{F4CDC04E-907E-43E6-8017-6C57A6B3C9F5}"/>
-              </a:ext>
-            </a:extLst>
-          </p:cNvPr>
-          <p:cNvSpPr/>
-          <p:nvPr/>
-        </p:nvSpPr>
-        <p:spPr>
-          <a:xfrm>
-            <a:off x="356366" y="1122363"/>
-            <a:ext cx="2335268" cy="496983"/>
+            <a:off x="497126" y="436279"/>
+            <a:ext cx="5239894" cy="1509997"/>
           </a:xfrm>
           <a:prstGeom prst="rect">
             <a:avLst/>
@@ -6892,9 +7085,374 @@
             <a:pPr algn="ctr"/>
             <a:r>
               <a:rPr lang="es-ES" dirty="0"/>
-              <a:t>INGRESE USUARIO:</a:t>
+              <a:t>Planes Nocturnos Bronce contratados por los clientes</a:t>
             </a:r>
             <a:endParaRPr lang="en-US" dirty="0"/>
+          </a:p>
+        </p:txBody>
+      </p:sp>
+      <p:pic>
+        <p:nvPicPr>
+          <p:cNvPr id="3" name="Imagen 2">
+            <a:extLst>
+              <a:ext uri="{FF2B5EF4-FFF2-40B4-BE49-F238E27FC236}">
+                <a16:creationId xmlns:a16="http://schemas.microsoft.com/office/drawing/2014/main" id="{51F3AB47-65DD-4F60-91C5-001B8FEC7416}"/>
+              </a:ext>
+            </a:extLst>
+          </p:cNvPr>
+          <p:cNvPicPr>
+            <a:picLocks noChangeAspect="1"/>
+          </p:cNvPicPr>
+          <p:nvPr/>
+        </p:nvPicPr>
+        <p:blipFill>
+          <a:blip r:embed="rId2"/>
+          <a:stretch>
+            <a:fillRect/>
+          </a:stretch>
+        </p:blipFill>
+        <p:spPr>
+          <a:xfrm>
+            <a:off x="709591" y="2698484"/>
+            <a:ext cx="10620646" cy="811479"/>
+          </a:xfrm>
+          <a:prstGeom prst="rect">
+            <a:avLst/>
+          </a:prstGeom>
+        </p:spPr>
+      </p:pic>
+    </p:spTree>
+    <p:extLst>
+      <p:ext uri="{BB962C8B-B14F-4D97-AF65-F5344CB8AC3E}">
+        <p14:creationId xmlns:p14="http://schemas.microsoft.com/office/powerpoint/2010/main" val="1596420661"/>
+      </p:ext>
+    </p:extLst>
+  </p:cSld>
+  <p:clrMapOvr>
+    <a:masterClrMapping/>
+  </p:clrMapOvr>
+</p:sld>
+</file>
+
+<file path=ppt/slides/slide7.xml><?xml version="1.0" encoding="utf-8"?>
+<p:sld xmlns:a="http://schemas.openxmlformats.org/drawingml/2006/main" xmlns:r="http://schemas.openxmlformats.org/officeDocument/2006/relationships" xmlns:p="http://schemas.openxmlformats.org/presentationml/2006/main">
+  <p:cSld>
+    <p:spTree>
+      <p:nvGrpSpPr>
+        <p:cNvPr id="1" name=""/>
+        <p:cNvGrpSpPr/>
+        <p:nvPr/>
+      </p:nvGrpSpPr>
+      <p:grpSpPr>
+        <a:xfrm>
+          <a:off x="0" y="0"/>
+          <a:ext cx="0" cy="0"/>
+          <a:chOff x="0" y="0"/>
+          <a:chExt cx="0" cy="0"/>
+        </a:xfrm>
+      </p:grpSpPr>
+      <p:sp>
+        <p:nvSpPr>
+          <p:cNvPr id="2" name="Título 1">
+            <a:extLst>
+              <a:ext uri="{FF2B5EF4-FFF2-40B4-BE49-F238E27FC236}">
+                <a16:creationId xmlns:a16="http://schemas.microsoft.com/office/drawing/2014/main" id="{6F8C4D98-0D43-47A7-85C1-1C375132C93A}"/>
+              </a:ext>
+            </a:extLst>
+          </p:cNvPr>
+          <p:cNvSpPr>
+            <a:spLocks noGrp="1"/>
+          </p:cNvSpPr>
+          <p:nvPr>
+            <p:ph type="ctrTitle"/>
+          </p:nvPr>
+        </p:nvSpPr>
+        <p:spPr/>
+        <p:txBody>
+          <a:bodyPr/>
+          <a:lstStyle/>
+          <a:p>
+            <a:r>
+              <a:rPr lang="es-ES" dirty="0"/>
+              <a:t> </a:t>
+            </a:r>
+            <a:endParaRPr lang="en-US" dirty="0"/>
+          </a:p>
+        </p:txBody>
+      </p:sp>
+      <p:sp>
+        <p:nvSpPr>
+          <p:cNvPr id="8" name="Subtítulo 7">
+            <a:extLst>
+              <a:ext uri="{FF2B5EF4-FFF2-40B4-BE49-F238E27FC236}">
+                <a16:creationId xmlns:a16="http://schemas.microsoft.com/office/drawing/2014/main" id="{5FC2EE50-D1C5-4392-BA99-D5970A912AC9}"/>
+              </a:ext>
+            </a:extLst>
+          </p:cNvPr>
+          <p:cNvSpPr>
+            <a:spLocks noGrp="1"/>
+          </p:cNvSpPr>
+          <p:nvPr>
+            <p:ph type="subTitle" idx="1"/>
+          </p:nvPr>
+        </p:nvSpPr>
+        <p:spPr/>
+        <p:txBody>
+          <a:bodyPr/>
+          <a:lstStyle/>
+          <a:p>
+            <a:r>
+              <a:rPr lang="es-ES" dirty="0"/>
+              <a:t> </a:t>
+            </a:r>
+            <a:endParaRPr lang="en-US" dirty="0"/>
+          </a:p>
+        </p:txBody>
+      </p:sp>
+      <p:sp>
+        <p:nvSpPr>
+          <p:cNvPr id="13" name="CuadroTexto 12">
+            <a:extLst>
+              <a:ext uri="{FF2B5EF4-FFF2-40B4-BE49-F238E27FC236}">
+                <a16:creationId xmlns:a16="http://schemas.microsoft.com/office/drawing/2014/main" id="{21FCA8A5-7783-4001-B70F-0A5286E2BE26}"/>
+              </a:ext>
+            </a:extLst>
+          </p:cNvPr>
+          <p:cNvSpPr txBox="1"/>
+          <p:nvPr/>
+        </p:nvSpPr>
+        <p:spPr>
+          <a:xfrm>
+            <a:off x="6195526" y="370154"/>
+            <a:ext cx="5499347" cy="2308324"/>
+          </a:xfrm>
+          <a:prstGeom prst="rect">
+            <a:avLst/>
+          </a:prstGeom>
+          <a:noFill/>
+        </p:spPr>
+        <p:txBody>
+          <a:bodyPr wrap="square" rtlCol="0">
+            <a:spAutoFit/>
+          </a:bodyPr>
+          <a:lstStyle/>
+          <a:p>
+            <a:r>
+              <a:rPr lang="es-ES" dirty="0">
+                <a:solidFill>
+                  <a:schemeClr val="accent6"/>
+                </a:solidFill>
+              </a:rPr>
+              <a:t>SELECT </a:t>
+            </a:r>
+            <a:r>
+              <a:rPr lang="es-ES" dirty="0" err="1">
+                <a:solidFill>
+                  <a:schemeClr val="accent6"/>
+                </a:solidFill>
+              </a:rPr>
+              <a:t>c.nombre,c.apellido</a:t>
+            </a:r>
+            <a:r>
+              <a:rPr lang="es-ES" dirty="0">
+                <a:solidFill>
+                  <a:schemeClr val="accent6"/>
+                </a:solidFill>
+              </a:rPr>
+              <a:t>, </a:t>
+            </a:r>
+            <a:r>
+              <a:rPr lang="es-ES" dirty="0" err="1">
+                <a:solidFill>
+                  <a:schemeClr val="accent6"/>
+                </a:solidFill>
+              </a:rPr>
+              <a:t>tv.fecha_venta,tv.id_transaccion_venta</a:t>
+            </a:r>
+            <a:r>
+              <a:rPr lang="es-ES" dirty="0">
+                <a:solidFill>
+                  <a:schemeClr val="accent6"/>
+                </a:solidFill>
+              </a:rPr>
+              <a:t> AS boleta , </a:t>
+            </a:r>
+            <a:r>
+              <a:rPr lang="es-ES" dirty="0" err="1">
+                <a:solidFill>
+                  <a:schemeClr val="accent6"/>
+                </a:solidFill>
+              </a:rPr>
+              <a:t>tp.nombre_producto,tp.precio_producto,tv.cantidad</a:t>
+            </a:r>
+            <a:r>
+              <a:rPr lang="es-ES" dirty="0">
+                <a:solidFill>
+                  <a:schemeClr val="accent6"/>
+                </a:solidFill>
+              </a:rPr>
+              <a:t> FROM </a:t>
+            </a:r>
+            <a:r>
+              <a:rPr lang="es-ES" dirty="0" err="1">
+                <a:solidFill>
+                  <a:schemeClr val="accent6"/>
+                </a:solidFill>
+              </a:rPr>
+              <a:t>tipo_producto</a:t>
+            </a:r>
+            <a:r>
+              <a:rPr lang="es-ES" dirty="0">
+                <a:solidFill>
+                  <a:schemeClr val="accent6"/>
+                </a:solidFill>
+              </a:rPr>
+              <a:t> AS </a:t>
+            </a:r>
+            <a:r>
+              <a:rPr lang="es-ES" dirty="0" err="1">
+                <a:solidFill>
+                  <a:schemeClr val="accent6"/>
+                </a:solidFill>
+              </a:rPr>
+              <a:t>tp,transaccion_venta</a:t>
+            </a:r>
+            <a:r>
+              <a:rPr lang="es-ES" dirty="0">
+                <a:solidFill>
+                  <a:schemeClr val="accent6"/>
+                </a:solidFill>
+              </a:rPr>
+              <a:t> AS </a:t>
+            </a:r>
+            <a:r>
+              <a:rPr lang="es-ES" dirty="0" err="1">
+                <a:solidFill>
+                  <a:schemeClr val="accent6"/>
+                </a:solidFill>
+              </a:rPr>
+              <a:t>tv,cliente</a:t>
+            </a:r>
+            <a:r>
+              <a:rPr lang="es-ES" dirty="0">
+                <a:solidFill>
+                  <a:schemeClr val="accent6"/>
+                </a:solidFill>
+              </a:rPr>
+              <a:t> AS c</a:t>
+            </a:r>
+          </a:p>
+          <a:p>
+            <a:r>
+              <a:rPr lang="es-ES" dirty="0" err="1">
+                <a:solidFill>
+                  <a:schemeClr val="accent6"/>
+                </a:solidFill>
+              </a:rPr>
+              <a:t>where</a:t>
+            </a:r>
+            <a:r>
+              <a:rPr lang="es-ES" dirty="0">
+                <a:solidFill>
+                  <a:schemeClr val="accent6"/>
+                </a:solidFill>
+              </a:rPr>
+              <a:t> </a:t>
+            </a:r>
+            <a:r>
+              <a:rPr lang="es-ES" dirty="0" err="1">
+                <a:solidFill>
+                  <a:schemeClr val="accent6"/>
+                </a:solidFill>
+              </a:rPr>
+              <a:t>tp.id_tipo_producto</a:t>
+            </a:r>
+            <a:r>
+              <a:rPr lang="es-ES" dirty="0">
+                <a:solidFill>
+                  <a:schemeClr val="accent6"/>
+                </a:solidFill>
+              </a:rPr>
+              <a:t> = </a:t>
+            </a:r>
+            <a:r>
+              <a:rPr lang="es-ES" dirty="0" err="1">
+                <a:solidFill>
+                  <a:schemeClr val="accent6"/>
+                </a:solidFill>
+              </a:rPr>
+              <a:t>tv.id_tipo_producto</a:t>
+            </a:r>
+            <a:endParaRPr lang="es-ES" dirty="0">
+              <a:solidFill>
+                <a:schemeClr val="accent6"/>
+              </a:solidFill>
+            </a:endParaRPr>
+          </a:p>
+          <a:p>
+            <a:r>
+              <a:rPr lang="es-ES" dirty="0">
+                <a:solidFill>
+                  <a:schemeClr val="accent6"/>
+                </a:solidFill>
+              </a:rPr>
+              <a:t>and </a:t>
+            </a:r>
+            <a:r>
+              <a:rPr lang="es-ES" dirty="0" err="1">
+                <a:solidFill>
+                  <a:schemeClr val="accent6"/>
+                </a:solidFill>
+              </a:rPr>
+              <a:t>tv.id_cliente</a:t>
+            </a:r>
+            <a:r>
+              <a:rPr lang="es-ES" dirty="0">
+                <a:solidFill>
+                  <a:schemeClr val="accent6"/>
+                </a:solidFill>
+              </a:rPr>
+              <a:t> = </a:t>
+            </a:r>
+            <a:r>
+              <a:rPr lang="es-ES" dirty="0" err="1">
+                <a:solidFill>
+                  <a:schemeClr val="accent6"/>
+                </a:solidFill>
+              </a:rPr>
+              <a:t>c.id_cliente</a:t>
+            </a:r>
+            <a:endParaRPr lang="es-ES" dirty="0">
+              <a:solidFill>
+                <a:schemeClr val="accent6"/>
+              </a:solidFill>
+            </a:endParaRPr>
+          </a:p>
+          <a:p>
+            <a:r>
+              <a:rPr lang="es-ES" dirty="0">
+                <a:solidFill>
+                  <a:schemeClr val="accent6"/>
+                </a:solidFill>
+              </a:rPr>
+              <a:t>and </a:t>
+            </a:r>
+            <a:r>
+              <a:rPr lang="es-ES" dirty="0" err="1">
+                <a:solidFill>
+                  <a:schemeClr val="accent6"/>
+                </a:solidFill>
+              </a:rPr>
+              <a:t>c.id_cliente</a:t>
+            </a:r>
+            <a:r>
+              <a:rPr lang="es-ES" dirty="0">
+                <a:solidFill>
+                  <a:schemeClr val="accent6"/>
+                </a:solidFill>
+              </a:rPr>
+              <a:t> = 3;</a:t>
+            </a:r>
           </a:p>
         </p:txBody>
       </p:sp>
@@ -6912,8 +7470,8 @@
         </p:nvSpPr>
         <p:spPr>
           <a:xfrm>
-            <a:off x="266171" y="150171"/>
-            <a:ext cx="4930980" cy="880117"/>
+            <a:off x="497126" y="436279"/>
+            <a:ext cx="5239894" cy="1509997"/>
           </a:xfrm>
           <a:prstGeom prst="rect">
             <a:avLst/>
@@ -6942,7 +7500,7 @@
             <a:pPr algn="ctr"/>
             <a:r>
               <a:rPr lang="es-ES" dirty="0"/>
-              <a:t>Página de Administradores de gimnasio.</a:t>
+              <a:t>Compras realizadas por los clientes</a:t>
             </a:r>
             <a:endParaRPr lang="en-US" dirty="0"/>
           </a:p>
@@ -6950,10 +7508,10 @@
       </p:sp>
       <p:pic>
         <p:nvPicPr>
-          <p:cNvPr id="12" name="Imagen 11">
-            <a:extLst>
-              <a:ext uri="{FF2B5EF4-FFF2-40B4-BE49-F238E27FC236}">
-                <a16:creationId xmlns:a16="http://schemas.microsoft.com/office/drawing/2014/main" id="{7221149B-80C1-4271-93A5-F78FED4545CF}"/>
+          <p:cNvPr id="4" name="Imagen 3">
+            <a:extLst>
+              <a:ext uri="{FF2B5EF4-FFF2-40B4-BE49-F238E27FC236}">
+                <a16:creationId xmlns:a16="http://schemas.microsoft.com/office/drawing/2014/main" id="{FFC6C30A-5451-4B0E-9C64-560C278D0EBC}"/>
               </a:ext>
             </a:extLst>
           </p:cNvPr>
@@ -6970,8 +7528,8 @@
         </p:blipFill>
         <p:spPr>
           <a:xfrm>
-            <a:off x="863276" y="2010358"/>
-            <a:ext cx="4333875" cy="4610100"/>
+            <a:off x="786581" y="3509963"/>
+            <a:ext cx="10403984" cy="2103017"/>
           </a:xfrm>
           <a:prstGeom prst="rect">
             <a:avLst/>
@@ -6981,7 +7539,7 @@
     </p:spTree>
     <p:extLst>
       <p:ext uri="{BB962C8B-B14F-4D97-AF65-F5344CB8AC3E}">
-        <p14:creationId xmlns:p14="http://schemas.microsoft.com/office/powerpoint/2010/main" val="1596420661"/>
+        <p14:creationId xmlns:p14="http://schemas.microsoft.com/office/powerpoint/2010/main" val="1634032322"/>
       </p:ext>
     </p:extLst>
   </p:cSld>
@@ -7287,21 +7845,6 @@
 </file>
 
 <file path=customXml/item1.xml><?xml version="1.0" encoding="utf-8"?>
-<p:properties xmlns:p="http://schemas.microsoft.com/office/2006/metadata/properties" xmlns:xsi="http://www.w3.org/2001/XMLSchema-instance" xmlns:pc="http://schemas.microsoft.com/office/infopath/2007/PartnerControls">
-  <documentManagement/>
-</p:properties>
-</file>
-
-<file path=customXml/item2.xml><?xml version="1.0" encoding="utf-8"?>
-<?mso-contentType ?>
-<FormTemplates xmlns="http://schemas.microsoft.com/sharepoint/v3/contenttype/forms">
-  <Display>DocumentLibraryForm</Display>
-  <Edit>DocumentLibraryForm</Edit>
-  <New>DocumentLibraryForm</New>
-</FormTemplates>
-</file>
-
-<file path=customXml/item3.xml><?xml version="1.0" encoding="utf-8"?>
 <ct:contentTypeSchema xmlns:ct="http://schemas.microsoft.com/office/2006/metadata/contentType" xmlns:ma="http://schemas.microsoft.com/office/2006/metadata/properties/metaAttributes" ct:_="" ma:_="" ma:contentTypeName="Document" ma:contentTypeID="0x01010045CEB39AB69D1643821231306D7DF7E8" ma:contentTypeVersion="11" ma:contentTypeDescription="Create a new document." ma:contentTypeScope="" ma:versionID="c954399ea2ab70d14bb080458749a01a">
   <xsd:schema xmlns:xsd="http://www.w3.org/2001/XMLSchema" xmlns:xs="http://www.w3.org/2001/XMLSchema" xmlns:p="http://schemas.microsoft.com/office/2006/metadata/properties" xmlns:ns3="a2eb04b3-5474-40e3-a855-ae5958f381e1" xmlns:ns4="91ab1f43-93f4-4e1c-85eb-15ce3175e740" targetNamespace="http://schemas.microsoft.com/office/2006/metadata/properties" ma:root="true" ma:fieldsID="0a5ee4527099311b7139dfad7a63f40c" ns3:_="" ns4:_="">
     <xsd:import namespace="a2eb04b3-5474-40e3-a855-ae5958f381e1"/>
@@ -7510,24 +8053,22 @@
 </ct:contentTypeSchema>
 </file>
 
-<file path=customXml/itemProps1.xml><?xml version="1.0" encoding="utf-8"?>
-<ds:datastoreItem xmlns:ds="http://schemas.openxmlformats.org/officeDocument/2006/customXml" ds:itemID="{05EC54AD-E34E-406B-B714-5F5AA95A7451}">
-  <ds:schemaRefs>
-    <ds:schemaRef ds:uri="http://schemas.microsoft.com/office/2006/metadata/properties"/>
-    <ds:schemaRef ds:uri="http://schemas.microsoft.com/office/infopath/2007/PartnerControls"/>
-  </ds:schemaRefs>
-</ds:datastoreItem>
+<file path=customXml/item2.xml><?xml version="1.0" encoding="utf-8"?>
+<?mso-contentType ?>
+<FormTemplates xmlns="http://schemas.microsoft.com/sharepoint/v3/contenttype/forms">
+  <Display>DocumentLibraryForm</Display>
+  <Edit>DocumentLibraryForm</Edit>
+  <New>DocumentLibraryForm</New>
+</FormTemplates>
 </file>
 
-<file path=customXml/itemProps2.xml><?xml version="1.0" encoding="utf-8"?>
-<ds:datastoreItem xmlns:ds="http://schemas.openxmlformats.org/officeDocument/2006/customXml" ds:itemID="{BDA9A3D4-1C3E-4558-8AE1-64C7FAFF67F2}">
-  <ds:schemaRefs>
-    <ds:schemaRef ds:uri="http://schemas.microsoft.com/sharepoint/v3/contenttype/forms"/>
-  </ds:schemaRefs>
-</ds:datastoreItem>
+<file path=customXml/item3.xml><?xml version="1.0" encoding="utf-8"?>
+<p:properties xmlns:p="http://schemas.microsoft.com/office/2006/metadata/properties" xmlns:xsi="http://www.w3.org/2001/XMLSchema-instance" xmlns:pc="http://schemas.microsoft.com/office/infopath/2007/PartnerControls">
+  <documentManagement/>
+</p:properties>
 </file>
 
-<file path=customXml/itemProps3.xml><?xml version="1.0" encoding="utf-8"?>
+<file path=customXml/itemProps1.xml><?xml version="1.0" encoding="utf-8"?>
 <ds:datastoreItem xmlns:ds="http://schemas.openxmlformats.org/officeDocument/2006/customXml" ds:itemID="{9E797D38-5C90-4931-BBCB-4204B08047B9}">
   <ds:schemaRefs>
     <ds:schemaRef ds:uri="http://schemas.microsoft.com/office/2006/metadata/contentType"/>
@@ -7544,4 +8085,21 @@
     <ds:schemaRef ds:uri="http://schemas.microsoft.com/internal/obd"/>
   </ds:schemaRefs>
 </ds:datastoreItem>
+</file>
+
+<file path=customXml/itemProps2.xml><?xml version="1.0" encoding="utf-8"?>
+<ds:datastoreItem xmlns:ds="http://schemas.openxmlformats.org/officeDocument/2006/customXml" ds:itemID="{BDA9A3D4-1C3E-4558-8AE1-64C7FAFF67F2}">
+  <ds:schemaRefs>
+    <ds:schemaRef ds:uri="http://schemas.microsoft.com/sharepoint/v3/contenttype/forms"/>
+  </ds:schemaRefs>
+</ds:datastoreItem>
+</file>
+
+<file path=customXml/itemProps3.xml><?xml version="1.0" encoding="utf-8"?>
+<ds:datastoreItem xmlns:ds="http://schemas.openxmlformats.org/officeDocument/2006/customXml" ds:itemID="{05EC54AD-E34E-406B-B714-5F5AA95A7451}">
+  <ds:schemaRefs>
+    <ds:schemaRef ds:uri="http://schemas.microsoft.com/office/2006/metadata/properties"/>
+    <ds:schemaRef ds:uri="http://schemas.microsoft.com/office/infopath/2007/PartnerControls"/>
+  </ds:schemaRefs>
+</ds:datastoreItem>
 </file>